--- a/Poster_v5.pptx
+++ b/Poster_v5.pptx
@@ -6869,6 +6869,258 @@
       </p:grpSpPr>
       <p:sp>
         <p:nvSpPr>
+          <p:cNvPr id="20" name="Rectangle: Rounded Corners 19">
+            <a:extLst>
+              <a:ext uri="{FF2B5EF4-FFF2-40B4-BE49-F238E27FC236}">
+                <a16:creationId xmlns:a16="http://schemas.microsoft.com/office/drawing/2014/main" id="{48956736-5797-A83F-0BB5-CC7C1E7BD430}"/>
+              </a:ext>
+            </a:extLst>
+          </p:cNvPr>
+          <p:cNvSpPr/>
+          <p:nvPr/>
+        </p:nvSpPr>
+        <p:spPr bwMode="auto">
+          <a:xfrm>
+            <a:off x="1669586" y="27324732"/>
+            <a:ext cx="985657" cy="367814"/>
+          </a:xfrm>
+          <a:prstGeom prst="roundRect">
+            <a:avLst/>
+          </a:prstGeom>
+          <a:solidFill>
+            <a:srgbClr val="EDB120"/>
+          </a:solidFill>
+          <a:ln w="9525" cap="flat" cmpd="sng" algn="ctr">
+            <a:solidFill>
+              <a:srgbClr val="EDB120"/>
+            </a:solidFill>
+            <a:prstDash val="solid"/>
+            <a:round/>
+            <a:headEnd type="none" w="med" len="med"/>
+            <a:tailEnd type="none" w="med" len="med"/>
+          </a:ln>
+          <a:effectLst/>
+        </p:spPr>
+        <p:txBody>
+          <a:bodyPr vert="horz" wrap="square" lIns="91440" tIns="45720" rIns="91440" bIns="45720" numCol="1" rtlCol="0" anchor="t" anchorCtr="0" compatLnSpc="1">
+            <a:prstTxWarp prst="textNoShape">
+              <a:avLst/>
+            </a:prstTxWarp>
+          </a:bodyPr>
+          <a:lstStyle/>
+          <a:p>
+            <a:pPr marL="0" marR="0" indent="0" algn="l" defTabSz="2949575" rtl="0" eaLnBrk="1" fontAlgn="base" latinLnBrk="0" hangingPunct="1">
+              <a:lnSpc>
+                <a:spcPct val="100000"/>
+              </a:lnSpc>
+              <a:spcBef>
+                <a:spcPct val="0"/>
+              </a:spcBef>
+              <a:spcAft>
+                <a:spcPct val="0"/>
+              </a:spcAft>
+              <a:buClrTx/>
+              <a:buSzTx/>
+              <a:buFontTx/>
+              <a:buNone/>
+              <a:tabLst/>
+            </a:pPr>
+            <a:endParaRPr kumimoji="0" lang="en-GB" sz="5800" b="0" i="0" u="none" strike="noStrike" cap="none" normalizeH="0" baseline="0">
+              <a:ln>
+                <a:noFill/>
+              </a:ln>
+              <a:solidFill>
+                <a:schemeClr val="tx1"/>
+              </a:solidFill>
+              <a:effectLst/>
+              <a:latin typeface="Arial" charset="0"/>
+            </a:endParaRPr>
+          </a:p>
+        </p:txBody>
+      </p:sp>
+      <p:sp>
+        <p:nvSpPr>
+          <p:cNvPr id="18" name="Rectangle: Rounded Corners 17">
+            <a:extLst>
+              <a:ext uri="{FF2B5EF4-FFF2-40B4-BE49-F238E27FC236}">
+                <a16:creationId xmlns:a16="http://schemas.microsoft.com/office/drawing/2014/main" id="{CAF413BA-A370-0E0E-B970-ABE9BC9F5570}"/>
+              </a:ext>
+            </a:extLst>
+          </p:cNvPr>
+          <p:cNvSpPr/>
+          <p:nvPr/>
+        </p:nvSpPr>
+        <p:spPr bwMode="auto">
+          <a:xfrm>
+            <a:off x="1669587" y="25957734"/>
+            <a:ext cx="616269" cy="367814"/>
+          </a:xfrm>
+          <a:prstGeom prst="roundRect">
+            <a:avLst/>
+          </a:prstGeom>
+          <a:solidFill>
+            <a:srgbClr val="D95319"/>
+          </a:solidFill>
+          <a:ln w="9525" cap="flat" cmpd="sng" algn="ctr">
+            <a:solidFill>
+              <a:srgbClr val="D95319"/>
+            </a:solidFill>
+            <a:prstDash val="solid"/>
+            <a:round/>
+            <a:headEnd type="none" w="med" len="med"/>
+            <a:tailEnd type="none" w="med" len="med"/>
+          </a:ln>
+          <a:effectLst/>
+        </p:spPr>
+        <p:txBody>
+          <a:bodyPr vert="horz" wrap="square" lIns="91440" tIns="45720" rIns="91440" bIns="45720" numCol="1" rtlCol="0" anchor="t" anchorCtr="0" compatLnSpc="1">
+            <a:prstTxWarp prst="textNoShape">
+              <a:avLst/>
+            </a:prstTxWarp>
+          </a:bodyPr>
+          <a:lstStyle/>
+          <a:p>
+            <a:pPr marL="0" marR="0" indent="0" algn="l" defTabSz="2949575" rtl="0" eaLnBrk="1" fontAlgn="base" latinLnBrk="0" hangingPunct="1">
+              <a:lnSpc>
+                <a:spcPct val="100000"/>
+              </a:lnSpc>
+              <a:spcBef>
+                <a:spcPct val="0"/>
+              </a:spcBef>
+              <a:spcAft>
+                <a:spcPct val="0"/>
+              </a:spcAft>
+              <a:buClrTx/>
+              <a:buSzTx/>
+              <a:buFontTx/>
+              <a:buNone/>
+              <a:tabLst/>
+            </a:pPr>
+            <a:endParaRPr kumimoji="0" lang="en-GB" sz="5800" b="0" i="0" u="none" strike="noStrike" cap="none" normalizeH="0" baseline="0">
+              <a:ln>
+                <a:noFill/>
+              </a:ln>
+              <a:solidFill>
+                <a:schemeClr val="tx1"/>
+              </a:solidFill>
+              <a:effectLst/>
+              <a:latin typeface="Arial" charset="0"/>
+            </a:endParaRPr>
+          </a:p>
+        </p:txBody>
+      </p:sp>
+      <p:sp>
+        <p:nvSpPr>
+          <p:cNvPr id="17" name="Rectangle: Rounded Corners 16">
+            <a:extLst>
+              <a:ext uri="{FF2B5EF4-FFF2-40B4-BE49-F238E27FC236}">
+                <a16:creationId xmlns:a16="http://schemas.microsoft.com/office/drawing/2014/main" id="{688296E3-715E-76FE-2C58-B14BD671F8A4}"/>
+              </a:ext>
+            </a:extLst>
+          </p:cNvPr>
+          <p:cNvSpPr/>
+          <p:nvPr/>
+        </p:nvSpPr>
+        <p:spPr bwMode="auto">
+          <a:xfrm>
+            <a:off x="1671915" y="24308875"/>
+            <a:ext cx="472253" cy="367814"/>
+          </a:xfrm>
+          <a:prstGeom prst="roundRect">
+            <a:avLst/>
+          </a:prstGeom>
+          <a:solidFill>
+            <a:srgbClr val="0072BD"/>
+          </a:solidFill>
+          <a:ln w="9525" cap="flat" cmpd="sng" algn="ctr">
+            <a:solidFill>
+              <a:srgbClr val="0072BD"/>
+            </a:solidFill>
+            <a:prstDash val="solid"/>
+            <a:round/>
+            <a:headEnd type="none" w="med" len="med"/>
+            <a:tailEnd type="none" w="med" len="med"/>
+          </a:ln>
+          <a:effectLst/>
+        </p:spPr>
+        <p:txBody>
+          <a:bodyPr vert="horz" wrap="square" lIns="91440" tIns="45720" rIns="91440" bIns="45720" numCol="1" rtlCol="0" anchor="t" anchorCtr="0" compatLnSpc="1">
+            <a:prstTxWarp prst="textNoShape">
+              <a:avLst/>
+            </a:prstTxWarp>
+          </a:bodyPr>
+          <a:lstStyle/>
+          <a:p>
+            <a:pPr marL="0" marR="0" indent="0" algn="l" defTabSz="2949575" rtl="0" eaLnBrk="1" fontAlgn="base" latinLnBrk="0" hangingPunct="1">
+              <a:lnSpc>
+                <a:spcPct val="100000"/>
+              </a:lnSpc>
+              <a:spcBef>
+                <a:spcPct val="0"/>
+              </a:spcBef>
+              <a:spcAft>
+                <a:spcPct val="0"/>
+              </a:spcAft>
+              <a:buClrTx/>
+              <a:buSzTx/>
+              <a:buFontTx/>
+              <a:buNone/>
+              <a:tabLst/>
+            </a:pPr>
+            <a:endParaRPr kumimoji="0" lang="en-GB" sz="5800" b="0" i="0" u="none" strike="noStrike" cap="none" normalizeH="0" baseline="0">
+              <a:ln>
+                <a:noFill/>
+              </a:ln>
+              <a:solidFill>
+                <a:schemeClr val="tx1"/>
+              </a:solidFill>
+              <a:effectLst/>
+              <a:latin typeface="Arial" charset="0"/>
+            </a:endParaRPr>
+          </a:p>
+        </p:txBody>
+      </p:sp>
+      <p:pic>
+        <p:nvPicPr>
+          <p:cNvPr id="14" name="Graphic 13">
+            <a:extLst>
+              <a:ext uri="{FF2B5EF4-FFF2-40B4-BE49-F238E27FC236}">
+                <a16:creationId xmlns:a16="http://schemas.microsoft.com/office/drawing/2014/main" id="{AE5764C9-F9CC-53FA-EAE7-32CDFFEBE55F}"/>
+              </a:ext>
+            </a:extLst>
+          </p:cNvPr>
+          <p:cNvPicPr>
+            <a:picLocks noChangeAspect="1"/>
+          </p:cNvPicPr>
+          <p:nvPr/>
+        </p:nvPicPr>
+        <p:blipFill>
+          <a:blip r:embed="rId2">
+            <a:extLst>
+              <a:ext uri="{28A0092B-C50C-407E-A947-70E740481C1C}">
+                <a14:useLocalDpi xmlns:a14="http://schemas.microsoft.com/office/drawing/2010/main" val="0"/>
+              </a:ext>
+              <a:ext uri="{96DAC541-7B7A-43D3-8B79-37D633B846F1}">
+                <asvg:svgBlip xmlns:asvg="http://schemas.microsoft.com/office/drawing/2016/SVG/main" r:embed="rId3"/>
+              </a:ext>
+            </a:extLst>
+          </a:blip>
+          <a:stretch>
+            <a:fillRect/>
+          </a:stretch>
+        </p:blipFill>
+        <p:spPr>
+          <a:xfrm>
+            <a:off x="1694273" y="8262162"/>
+            <a:ext cx="17720126" cy="6260971"/>
+          </a:xfrm>
+          <a:prstGeom prst="rect">
+            <a:avLst/>
+          </a:prstGeom>
+        </p:spPr>
+      </p:pic>
+      <p:sp>
+        <p:nvSpPr>
           <p:cNvPr id="2050" name="Text Box 5"/>
           <p:cNvSpPr txBox="1">
             <a:spLocks noChangeArrowheads="1"/>
@@ -6954,7 +7206,7 @@
         </p:nvSpPr>
         <p:spPr bwMode="auto">
           <a:xfrm>
-            <a:off x="1761876" y="29307307"/>
+            <a:off x="1761876" y="28766042"/>
             <a:ext cx="17859375" cy="615950"/>
           </a:xfrm>
           <a:prstGeom prst="rect">
@@ -6998,45 +7250,6 @@
           </a:p>
         </p:txBody>
       </p:sp>
-      <p:pic>
-        <p:nvPicPr>
-          <p:cNvPr id="4" name="Graphic 3">
-            <a:extLst>
-              <a:ext uri="{FF2B5EF4-FFF2-40B4-BE49-F238E27FC236}">
-                <a16:creationId xmlns:a16="http://schemas.microsoft.com/office/drawing/2014/main" id="{FDD680FC-DD17-4E38-520F-394C8267259C}"/>
-              </a:ext>
-            </a:extLst>
-          </p:cNvPr>
-          <p:cNvPicPr>
-            <a:picLocks noChangeAspect="1"/>
-          </p:cNvPicPr>
-          <p:nvPr/>
-        </p:nvPicPr>
-        <p:blipFill>
-          <a:blip r:embed="rId2">
-            <a:extLst>
-              <a:ext uri="{28A0092B-C50C-407E-A947-70E740481C1C}">
-                <a14:useLocalDpi xmlns:a14="http://schemas.microsoft.com/office/drawing/2010/main" val="0"/>
-              </a:ext>
-              <a:ext uri="{96DAC541-7B7A-43D3-8B79-37D633B846F1}">
-                <asvg:svgBlip xmlns:asvg="http://schemas.microsoft.com/office/drawing/2016/SVG/main" r:embed="rId3"/>
-              </a:ext>
-            </a:extLst>
-          </a:blip>
-          <a:stretch>
-            <a:fillRect/>
-          </a:stretch>
-        </p:blipFill>
-        <p:spPr>
-          <a:xfrm>
-            <a:off x="2303298" y="7955801"/>
-            <a:ext cx="16751425" cy="7918132"/>
-          </a:xfrm>
-          <a:prstGeom prst="rect">
-            <a:avLst/>
-          </a:prstGeom>
-        </p:spPr>
-      </p:pic>
       <p:sp>
         <p:nvSpPr>
           <p:cNvPr id="5" name="Text Box 9">
@@ -7053,7 +7266,7 @@
         </p:nvSpPr>
         <p:spPr bwMode="auto">
           <a:xfrm>
-            <a:off x="1751570" y="16010029"/>
+            <a:off x="1732828" y="15232035"/>
             <a:ext cx="8488362" cy="3789563"/>
           </a:xfrm>
           <a:prstGeom prst="rect">
@@ -7094,7 +7307,7 @@
             </a:endParaRPr>
           </a:p>
           <a:p>
-            <a:pPr defTabSz="2949575">
+            <a:pPr algn="just" defTabSz="2949575">
               <a:lnSpc>
                 <a:spcPts val="3200"/>
               </a:lnSpc>
@@ -7134,8 +7347,8 @@
         </p:nvSpPr>
         <p:spPr bwMode="auto">
           <a:xfrm>
-            <a:off x="1751570" y="20231075"/>
-            <a:ext cx="8478056" cy="9718959"/>
+            <a:off x="1732828" y="19646957"/>
+            <a:ext cx="8478056" cy="5878729"/>
           </a:xfrm>
           <a:prstGeom prst="rect">
             <a:avLst/>
@@ -7175,7 +7388,7 @@
             </a:endParaRPr>
           </a:p>
           <a:p>
-            <a:pPr defTabSz="2949575">
+            <a:pPr algn="just" defTabSz="2949575">
               <a:lnSpc>
                 <a:spcPts val="3200"/>
               </a:lnSpc>
@@ -7344,11 +7557,20 @@
             <a:r>
               <a:rPr lang="en-US" sz="2400" b="1" dirty="0">
                 <a:solidFill>
+                  <a:srgbClr val="000000"/>
+                </a:solidFill>
+                <a:latin typeface="Calibri" charset="0"/>
+              </a:rPr>
+              <a:t>2D</a:t>
+            </a:r>
+            <a:r>
+              <a:rPr lang="en-US" sz="2400" b="1" dirty="0">
+                <a:solidFill>
                   <a:srgbClr val="0072BD"/>
                 </a:solidFill>
                 <a:latin typeface="Calibri" charset="0"/>
               </a:rPr>
-              <a:t>2D	</a:t>
+              <a:t>	</a:t>
             </a:r>
             <a:r>
               <a:rPr lang="en-US" sz="2400" dirty="0">
@@ -7376,81 +7598,6 @@
               </a:solidFill>
               <a:latin typeface="Calibri" charset="0"/>
             </a:endParaRPr>
-          </a:p>
-          <a:p>
-            <a:pPr defTabSz="756000">
-              <a:lnSpc>
-                <a:spcPts val="3200"/>
-              </a:lnSpc>
-              <a:tabLst>
-                <a:tab pos="1440000" algn="l"/>
-              </a:tabLst>
-              <a:defRPr/>
-            </a:pPr>
-            <a:r>
-              <a:rPr lang="en-US" sz="2400" b="1" dirty="0">
-                <a:solidFill>
-                  <a:srgbClr val="D95319"/>
-                </a:solidFill>
-                <a:latin typeface="Calibri" charset="0"/>
-              </a:rPr>
-              <a:t>2D+	</a:t>
-            </a:r>
-            <a:r>
-              <a:rPr lang="en-US" sz="2400" dirty="0">
-                <a:solidFill>
-                  <a:srgbClr val="000000"/>
-                </a:solidFill>
-                <a:latin typeface="Calibri" charset="0"/>
-              </a:rPr>
-              <a:t>This method includes the projection methods copied 	into the feature extractor.</a:t>
-            </a:r>
-          </a:p>
-          <a:p>
-            <a:pPr defTabSz="756000">
-              <a:lnSpc>
-                <a:spcPts val="3200"/>
-              </a:lnSpc>
-              <a:tabLst>
-                <a:tab pos="1440000" algn="l"/>
-              </a:tabLst>
-              <a:defRPr/>
-            </a:pPr>
-            <a:endParaRPr lang="en-US" sz="2400" dirty="0">
-              <a:solidFill>
-                <a:srgbClr val="000000"/>
-              </a:solidFill>
-              <a:latin typeface="Calibri" charset="0"/>
-            </a:endParaRPr>
-          </a:p>
-          <a:p>
-            <a:pPr defTabSz="756000">
-              <a:lnSpc>
-                <a:spcPts val="3200"/>
-              </a:lnSpc>
-              <a:tabLst>
-                <a:tab pos="1440000" algn="l"/>
-              </a:tabLst>
-              <a:defRPr/>
-            </a:pPr>
-            <a:r>
-              <a:rPr lang="en-US" sz="2400" b="1" dirty="0">
-                <a:solidFill>
-                  <a:srgbClr val="EDB120"/>
-                </a:solidFill>
-                <a:latin typeface="Calibri" charset="0"/>
-              </a:rPr>
-              <a:t>2D+ VI	</a:t>
-            </a:r>
-            <a:r>
-              <a:rPr lang="en-US" sz="2400" dirty="0">
-                <a:solidFill>
-                  <a:srgbClr val="000000"/>
-                </a:solidFill>
-                <a:latin typeface="Calibri" charset="0"/>
-              </a:rPr>
-              <a:t>This method includes the projection methods with 	variable input combinations for the feature extractors. </a:t>
-            </a:r>
           </a:p>
           <a:p>
             <a:pPr defTabSz="2949575">
@@ -7521,7 +7668,7 @@
         </p:nvSpPr>
         <p:spPr bwMode="auto">
           <a:xfrm>
-            <a:off x="11120340" y="16010029"/>
+            <a:off x="10980119" y="15232034"/>
             <a:ext cx="8488363" cy="3789563"/>
           </a:xfrm>
           <a:prstGeom prst="rect">
@@ -7557,42 +7704,6 @@
           </a:p>
         </p:txBody>
       </p:sp>
-      <p:pic>
-        <p:nvPicPr>
-          <p:cNvPr id="10" name="Picture 9" descr="A picture containing text, screenshot, diagram, plot&#10;&#10;Description automatically generated">
-            <a:extLst>
-              <a:ext uri="{FF2B5EF4-FFF2-40B4-BE49-F238E27FC236}">
-                <a16:creationId xmlns:a16="http://schemas.microsoft.com/office/drawing/2014/main" id="{BD85B132-D275-83DD-E950-E9EBE9BAB7C1}"/>
-              </a:ext>
-            </a:extLst>
-          </p:cNvPr>
-          <p:cNvPicPr>
-            <a:picLocks noChangeAspect="1"/>
-          </p:cNvPicPr>
-          <p:nvPr/>
-        </p:nvPicPr>
-        <p:blipFill>
-          <a:blip r:embed="rId4">
-            <a:extLst>
-              <a:ext uri="{28A0092B-C50C-407E-A947-70E740481C1C}">
-                <a14:useLocalDpi xmlns:a14="http://schemas.microsoft.com/office/drawing/2010/main" val="0"/>
-              </a:ext>
-            </a:extLst>
-          </a:blip>
-          <a:stretch>
-            <a:fillRect/>
-          </a:stretch>
-        </p:blipFill>
-        <p:spPr>
-          <a:xfrm>
-            <a:off x="10464825" y="16489883"/>
-            <a:ext cx="8941834" cy="6907449"/>
-          </a:xfrm>
-          <a:prstGeom prst="rect">
-            <a:avLst/>
-          </a:prstGeom>
-        </p:spPr>
-      </p:pic>
       <p:sp>
         <p:nvSpPr>
           <p:cNvPr id="15" name="TextBox 14">
@@ -7607,8 +7718,8 @@
         </p:nvSpPr>
         <p:spPr>
           <a:xfrm>
-            <a:off x="10679011" y="23287257"/>
-            <a:ext cx="8941833" cy="1615186"/>
+            <a:off x="10648128" y="22670870"/>
+            <a:ext cx="8668341" cy="1615186"/>
           </a:xfrm>
           <a:prstGeom prst="rect">
             <a:avLst/>
@@ -7621,7 +7732,7 @@
           </a:bodyPr>
           <a:lstStyle/>
           <a:p>
-            <a:pPr marL="0" marR="0" lvl="0" indent="0" algn="l" defTabSz="2949575" rtl="0" eaLnBrk="1" fontAlgn="base" latinLnBrk="0" hangingPunct="1">
+            <a:pPr marL="0" marR="0" lvl="0" indent="0" algn="just" defTabSz="2949575" rtl="0" eaLnBrk="1" fontAlgn="base" latinLnBrk="0" hangingPunct="1">
               <a:lnSpc>
                 <a:spcPts val="2400"/>
               </a:lnSpc>
@@ -7698,8 +7809,8 @@
         </p:nvSpPr>
         <p:spPr bwMode="auto">
           <a:xfrm>
-            <a:off x="10918297" y="25090555"/>
-            <a:ext cx="8488362" cy="4216752"/>
+            <a:off x="10621588" y="25151446"/>
+            <a:ext cx="8777472" cy="4216752"/>
           </a:xfrm>
           <a:prstGeom prst="rect">
             <a:avLst/>
@@ -7739,7 +7850,7 @@
             </a:endParaRPr>
           </a:p>
           <a:p>
-            <a:pPr defTabSz="2949575">
+            <a:pPr algn="just" defTabSz="2949575">
               <a:lnSpc>
                 <a:spcPts val="3200"/>
               </a:lnSpc>
@@ -7757,6 +7868,282 @@
           </a:p>
         </p:txBody>
       </p:sp>
+      <p:sp>
+        <p:nvSpPr>
+          <p:cNvPr id="21" name="TextBox 20">
+            <a:extLst>
+              <a:ext uri="{FF2B5EF4-FFF2-40B4-BE49-F238E27FC236}">
+                <a16:creationId xmlns:a16="http://schemas.microsoft.com/office/drawing/2014/main" id="{DCCA13F5-101B-B765-C47D-5BC498922A97}"/>
+              </a:ext>
+            </a:extLst>
+          </p:cNvPr>
+          <p:cNvSpPr txBox="1"/>
+          <p:nvPr/>
+        </p:nvSpPr>
+        <p:spPr>
+          <a:xfrm>
+            <a:off x="1669586" y="25866136"/>
+            <a:ext cx="8551604" cy="1302088"/>
+          </a:xfrm>
+          <a:prstGeom prst="rect">
+            <a:avLst/>
+          </a:prstGeom>
+          <a:noFill/>
+        </p:spPr>
+        <p:txBody>
+          <a:bodyPr wrap="square" rtlCol="0">
+            <a:spAutoFit/>
+          </a:bodyPr>
+          <a:lstStyle/>
+          <a:p>
+            <a:pPr marL="0" marR="0" lvl="0" indent="0" algn="l" defTabSz="756000" rtl="0" eaLnBrk="1" fontAlgn="base" latinLnBrk="0" hangingPunct="1">
+              <a:lnSpc>
+                <a:spcPts val="3200"/>
+              </a:lnSpc>
+              <a:spcBef>
+                <a:spcPct val="0"/>
+              </a:spcBef>
+              <a:spcAft>
+                <a:spcPct val="0"/>
+              </a:spcAft>
+              <a:buClrTx/>
+              <a:buSzTx/>
+              <a:buFontTx/>
+              <a:buNone/>
+              <a:tabLst>
+                <a:tab pos="1440000" algn="l"/>
+              </a:tabLst>
+              <a:defRPr/>
+            </a:pPr>
+            <a:r>
+              <a:rPr kumimoji="0" lang="en-US" sz="2400" b="1" i="0" u="none" strike="noStrike" kern="1200" cap="none" spc="0" normalizeH="0" baseline="0" noProof="0" dirty="0">
+                <a:ln>
+                  <a:noFill/>
+                </a:ln>
+                <a:solidFill>
+                  <a:srgbClr val="000000"/>
+                </a:solidFill>
+                <a:effectLst/>
+                <a:uLnTx/>
+                <a:uFillTx/>
+                <a:latin typeface="Calibri" charset="0"/>
+                <a:ea typeface="ＭＳ Ｐゴシック" charset="-128"/>
+                <a:cs typeface="+mn-cs"/>
+              </a:rPr>
+              <a:t>2D+</a:t>
+            </a:r>
+            <a:r>
+              <a:rPr kumimoji="0" lang="en-US" sz="2400" b="1" i="0" u="none" strike="noStrike" kern="1200" cap="none" spc="0" normalizeH="0" baseline="0" noProof="0" dirty="0">
+                <a:ln>
+                  <a:noFill/>
+                </a:ln>
+                <a:solidFill>
+                  <a:srgbClr val="D95319"/>
+                </a:solidFill>
+                <a:effectLst/>
+                <a:uLnTx/>
+                <a:uFillTx/>
+                <a:latin typeface="Calibri" charset="0"/>
+                <a:ea typeface="ＭＳ Ｐゴシック" charset="-128"/>
+                <a:cs typeface="+mn-cs"/>
+              </a:rPr>
+              <a:t>	</a:t>
+            </a:r>
+            <a:r>
+              <a:rPr kumimoji="0" lang="en-US" sz="2400" b="0" i="0" u="none" strike="noStrike" kern="1200" cap="none" spc="0" normalizeH="0" baseline="0" noProof="0" dirty="0">
+                <a:ln>
+                  <a:noFill/>
+                </a:ln>
+                <a:solidFill>
+                  <a:srgbClr val="000000"/>
+                </a:solidFill>
+                <a:effectLst/>
+                <a:uLnTx/>
+                <a:uFillTx/>
+                <a:latin typeface="Calibri" charset="0"/>
+                <a:ea typeface="ＭＳ Ｐゴシック" charset="-128"/>
+                <a:cs typeface="+mn-cs"/>
+              </a:rPr>
+              <a:t>This method includes the projection methods copied 	into the feature extractor.</a:t>
+            </a:r>
+          </a:p>
+          <a:p>
+            <a:pPr marL="0" marR="0" lvl="0" indent="0" algn="l" defTabSz="756000" rtl="0" eaLnBrk="1" fontAlgn="base" latinLnBrk="0" hangingPunct="1">
+              <a:lnSpc>
+                <a:spcPts val="3200"/>
+              </a:lnSpc>
+              <a:spcBef>
+                <a:spcPct val="0"/>
+              </a:spcBef>
+              <a:spcAft>
+                <a:spcPct val="0"/>
+              </a:spcAft>
+              <a:buClrTx/>
+              <a:buSzTx/>
+              <a:buFontTx/>
+              <a:buNone/>
+              <a:tabLst>
+                <a:tab pos="1440000" algn="l"/>
+              </a:tabLst>
+              <a:defRPr/>
+            </a:pPr>
+            <a:endParaRPr kumimoji="0" lang="en-US" sz="2400" b="0" i="0" u="none" strike="noStrike" kern="1200" cap="none" spc="0" normalizeH="0" baseline="0" noProof="0" dirty="0">
+              <a:ln>
+                <a:noFill/>
+              </a:ln>
+              <a:solidFill>
+                <a:srgbClr val="000000"/>
+              </a:solidFill>
+              <a:effectLst/>
+              <a:uLnTx/>
+              <a:uFillTx/>
+              <a:latin typeface="Calibri" charset="0"/>
+              <a:ea typeface="ＭＳ Ｐゴシック" charset="-128"/>
+              <a:cs typeface="+mn-cs"/>
+            </a:endParaRPr>
+          </a:p>
+        </p:txBody>
+      </p:sp>
+      <p:sp>
+        <p:nvSpPr>
+          <p:cNvPr id="22" name="TextBox 21">
+            <a:extLst>
+              <a:ext uri="{FF2B5EF4-FFF2-40B4-BE49-F238E27FC236}">
+                <a16:creationId xmlns:a16="http://schemas.microsoft.com/office/drawing/2014/main" id="{1D923AA6-8AF5-5C83-C6F1-7D436A2CF464}"/>
+              </a:ext>
+            </a:extLst>
+          </p:cNvPr>
+          <p:cNvSpPr txBox="1"/>
+          <p:nvPr/>
+        </p:nvSpPr>
+        <p:spPr>
+          <a:xfrm>
+            <a:off x="1669586" y="27259822"/>
+            <a:ext cx="8551604" cy="891719"/>
+          </a:xfrm>
+          <a:prstGeom prst="rect">
+            <a:avLst/>
+          </a:prstGeom>
+          <a:noFill/>
+        </p:spPr>
+        <p:txBody>
+          <a:bodyPr wrap="square" rtlCol="0">
+            <a:spAutoFit/>
+          </a:bodyPr>
+          <a:lstStyle/>
+          <a:p>
+            <a:pPr marL="0" marR="0" lvl="0" indent="0" algn="l" defTabSz="756000" rtl="0" eaLnBrk="1" fontAlgn="base" latinLnBrk="0" hangingPunct="1">
+              <a:lnSpc>
+                <a:spcPts val="3200"/>
+              </a:lnSpc>
+              <a:spcBef>
+                <a:spcPct val="0"/>
+              </a:spcBef>
+              <a:spcAft>
+                <a:spcPct val="0"/>
+              </a:spcAft>
+              <a:buClrTx/>
+              <a:buSzTx/>
+              <a:buFontTx/>
+              <a:buNone/>
+              <a:tabLst>
+                <a:tab pos="1440000" algn="l"/>
+              </a:tabLst>
+              <a:defRPr/>
+            </a:pPr>
+            <a:r>
+              <a:rPr kumimoji="0" lang="en-US" sz="2400" b="1" i="0" u="none" strike="noStrike" kern="1200" cap="none" spc="0" normalizeH="0" baseline="0" noProof="0" dirty="0">
+                <a:ln>
+                  <a:noFill/>
+                </a:ln>
+                <a:solidFill>
+                  <a:srgbClr val="000000"/>
+                </a:solidFill>
+                <a:effectLst/>
+                <a:uLnTx/>
+                <a:uFillTx/>
+                <a:latin typeface="Calibri" charset="0"/>
+                <a:ea typeface="ＭＳ Ｐゴシック" charset="-128"/>
+                <a:cs typeface="+mn-cs"/>
+              </a:rPr>
+              <a:t>2D+ VI</a:t>
+            </a:r>
+            <a:r>
+              <a:rPr kumimoji="0" lang="en-US" sz="2400" b="1" i="0" u="none" strike="noStrike" kern="1200" cap="none" spc="0" normalizeH="0" baseline="0" noProof="0" dirty="0">
+                <a:ln>
+                  <a:noFill/>
+                </a:ln>
+                <a:solidFill>
+                  <a:srgbClr val="EDB120"/>
+                </a:solidFill>
+                <a:effectLst/>
+                <a:uLnTx/>
+                <a:uFillTx/>
+                <a:latin typeface="Calibri" charset="0"/>
+                <a:ea typeface="ＭＳ Ｐゴシック" charset="-128"/>
+                <a:cs typeface="+mn-cs"/>
+              </a:rPr>
+              <a:t>	</a:t>
+            </a:r>
+            <a:r>
+              <a:rPr kumimoji="0" lang="en-US" sz="2400" b="0" i="0" u="none" strike="noStrike" kern="1200" cap="none" spc="0" normalizeH="0" baseline="0" noProof="0" dirty="0">
+                <a:ln>
+                  <a:noFill/>
+                </a:ln>
+                <a:solidFill>
+                  <a:srgbClr val="000000"/>
+                </a:solidFill>
+                <a:effectLst/>
+                <a:uLnTx/>
+                <a:uFillTx/>
+                <a:latin typeface="Calibri" charset="0"/>
+                <a:ea typeface="ＭＳ Ｐゴシック" charset="-128"/>
+                <a:cs typeface="+mn-cs"/>
+              </a:rPr>
+              <a:t>This method includes the projection methods with 	variable input combinations for the feature extractors. </a:t>
+            </a:r>
+          </a:p>
+        </p:txBody>
+      </p:sp>
+      <p:pic>
+        <p:nvPicPr>
+          <p:cNvPr id="26" name="Graphic 25">
+            <a:extLst>
+              <a:ext uri="{FF2B5EF4-FFF2-40B4-BE49-F238E27FC236}">
+                <a16:creationId xmlns:a16="http://schemas.microsoft.com/office/drawing/2014/main" id="{DA1E5392-13FC-C89B-B7C0-B1EDEF3A0B74}"/>
+              </a:ext>
+            </a:extLst>
+          </p:cNvPr>
+          <p:cNvPicPr>
+            <a:picLocks noChangeAspect="1"/>
+          </p:cNvPicPr>
+          <p:nvPr/>
+        </p:nvPicPr>
+        <p:blipFill>
+          <a:blip r:embed="rId4">
+            <a:extLst>
+              <a:ext uri="{28A0092B-C50C-407E-A947-70E740481C1C}">
+                <a14:useLocalDpi xmlns:a14="http://schemas.microsoft.com/office/drawing/2010/main" val="0"/>
+              </a:ext>
+              <a:ext uri="{96DAC541-7B7A-43D3-8B79-37D633B846F1}">
+                <asvg:svgBlip xmlns:asvg="http://schemas.microsoft.com/office/drawing/2016/SVG/main" r:embed="rId5"/>
+              </a:ext>
+            </a:extLst>
+          </a:blip>
+          <a:stretch>
+            <a:fillRect/>
+          </a:stretch>
+        </p:blipFill>
+        <p:spPr>
+          <a:xfrm>
+            <a:off x="10691563" y="15720330"/>
+            <a:ext cx="8924426" cy="6700587"/>
+          </a:xfrm>
+          <a:prstGeom prst="rect">
+            <a:avLst/>
+          </a:prstGeom>
+        </p:spPr>
+      </p:pic>
     </p:spTree>
   </p:cSld>
   <p:clrMapOvr>
@@ -8618,6 +9005,15 @@
 </file>
 
 <file path=customXml/item2.xml><?xml version="1.0" encoding="utf-8"?>
+<?mso-contentType ?>
+<FormTemplates xmlns="http://schemas.microsoft.com/sharepoint/v3/contenttype/forms">
+  <Display>DocumentLibraryForm</Display>
+  <Edit>DocumentLibraryForm</Edit>
+  <New>DocumentLibraryForm</New>
+</FormTemplates>
+</file>
+
+<file path=customXml/item3.xml><?xml version="1.0" encoding="utf-8"?>
 <p:properties xmlns:p="http://schemas.microsoft.com/office/2006/metadata/properties" xmlns:xsi="http://www.w3.org/2001/XMLSchema-instance" xmlns:pc="http://schemas.microsoft.com/office/infopath/2007/PartnerControls">
   <documentManagement>
     <TaxCatchAll xmlns="89addd5d-1b61-4a22-b114-f0fd8c2dcf23" xsi:nil="true"/>
@@ -8626,15 +9022,6 @@
     </lcf76f155ced4ddcb4097134ff3c332f>
   </documentManagement>
 </p:properties>
-</file>
-
-<file path=customXml/item3.xml><?xml version="1.0" encoding="utf-8"?>
-<?mso-contentType ?>
-<FormTemplates xmlns="http://schemas.microsoft.com/sharepoint/v3/contenttype/forms">
-  <Display>DocumentLibraryForm</Display>
-  <Edit>DocumentLibraryForm</Edit>
-  <New>DocumentLibraryForm</New>
-</FormTemplates>
 </file>
 
 <file path=customXml/itemProps1.xml><?xml version="1.0" encoding="utf-8"?>
@@ -8657,26 +9044,26 @@
 </file>
 
 <file path=customXml/itemProps2.xml><?xml version="1.0" encoding="utf-8"?>
-<ds:datastoreItem xmlns:ds="http://schemas.openxmlformats.org/officeDocument/2006/customXml" ds:itemID="{9125C5D5-F820-4F30-91F7-00B78C1899F2}">
+<ds:datastoreItem xmlns:ds="http://schemas.openxmlformats.org/officeDocument/2006/customXml" ds:itemID="{6CC99893-6B41-41FE-B2A6-F93B362DFD95}">
   <ds:schemaRefs>
-    <ds:schemaRef ds:uri="89addd5d-1b61-4a22-b114-f0fd8c2dcf23"/>
-    <ds:schemaRef ds:uri="http://purl.org/dc/elements/1.1/"/>
-    <ds:schemaRef ds:uri="http://schemas.microsoft.com/office/2006/metadata/properties"/>
-    <ds:schemaRef ds:uri="http://purl.org/dc/terms/"/>
-    <ds:schemaRef ds:uri="http://schemas.openxmlformats.org/package/2006/metadata/core-properties"/>
-    <ds:schemaRef ds:uri="http://schemas.microsoft.com/office/2006/documentManagement/types"/>
-    <ds:schemaRef ds:uri="http://schemas.microsoft.com/office/infopath/2007/PartnerControls"/>
-    <ds:schemaRef ds:uri="a447070b-6ca3-45cb-96ef-73c9e076e33c"/>
-    <ds:schemaRef ds:uri="http://www.w3.org/XML/1998/namespace"/>
-    <ds:schemaRef ds:uri="http://purl.org/dc/dcmitype/"/>
+    <ds:schemaRef ds:uri="http://schemas.microsoft.com/sharepoint/v3/contenttype/forms"/>
   </ds:schemaRefs>
 </ds:datastoreItem>
 </file>
 
 <file path=customXml/itemProps3.xml><?xml version="1.0" encoding="utf-8"?>
-<ds:datastoreItem xmlns:ds="http://schemas.openxmlformats.org/officeDocument/2006/customXml" ds:itemID="{6CC99893-6B41-41FE-B2A6-F93B362DFD95}">
+<ds:datastoreItem xmlns:ds="http://schemas.openxmlformats.org/officeDocument/2006/customXml" ds:itemID="{9125C5D5-F820-4F30-91F7-00B78C1899F2}">
   <ds:schemaRefs>
-    <ds:schemaRef ds:uri="http://schemas.microsoft.com/sharepoint/v3/contenttype/forms"/>
+    <ds:schemaRef ds:uri="http://schemas.microsoft.com/office/2006/documentManagement/types"/>
+    <ds:schemaRef ds:uri="89addd5d-1b61-4a22-b114-f0fd8c2dcf23"/>
+    <ds:schemaRef ds:uri="http://purl.org/dc/terms/"/>
+    <ds:schemaRef ds:uri="http://schemas.openxmlformats.org/package/2006/metadata/core-properties"/>
+    <ds:schemaRef ds:uri="a447070b-6ca3-45cb-96ef-73c9e076e33c"/>
+    <ds:schemaRef ds:uri="http://schemas.microsoft.com/office/2006/metadata/properties"/>
+    <ds:schemaRef ds:uri="http://purl.org/dc/elements/1.1/"/>
+    <ds:schemaRef ds:uri="http://schemas.microsoft.com/office/infopath/2007/PartnerControls"/>
+    <ds:schemaRef ds:uri="http://www.w3.org/XML/1998/namespace"/>
+    <ds:schemaRef ds:uri="http://purl.org/dc/dcmitype/"/>
   </ds:schemaRefs>
 </ds:datastoreItem>
 </file>